--- a/Model to Predict Churn in Syriatel Presentation Slides.pptx
+++ b/Model to Predict Churn in Syriatel Presentation Slides.pptx
@@ -1327,7 +1327,7 @@
         <a:p>
           <a:r>
             <a:rPr lang="en-GB" dirty="0"/>
-            <a:t>Predictor Variable : churn with True or False response</a:t>
+            <a:t>Response Variable : churn with True or False response</a:t>
           </a:r>
           <a:endParaRPr lang="en-US" dirty="0"/>
         </a:p>
@@ -2409,7 +2409,7 @@
           </a:pPr>
           <a:r>
             <a:rPr lang="en-GB" sz="2200" kern="1200" dirty="0"/>
-            <a:t>Predictor Variable : churn with True or False response</a:t>
+            <a:t>Response Variable : churn with True or False response</a:t>
           </a:r>
           <a:endParaRPr lang="en-US" sz="2200" kern="1200" dirty="0"/>
         </a:p>
@@ -3888,7 +3888,7 @@
           <a:p>
             <a:fld id="{AFC37BCE-7EA1-4290-A82F-45E203BC09F8}" type="datetimeFigureOut">
               <a:rPr lang="en-GB" smtClean="0"/>
-              <a:t>05/10/2023</a:t>
+              <a:t>06/10/2023</a:t>
             </a:fld>
             <a:endParaRPr lang="en-GB"/>
           </a:p>
@@ -4200,10 +4200,7 @@
           <a:bodyPr/>
           <a:lstStyle/>
           <a:p>
-            <a:r>
-              <a:rPr lang="en-GB" dirty="0"/>
-              <a:t>For this purpose we have used a data set of 3000+ customers and 25% of used as the testing data to validate the model. It contained 17 numerical variable and 4 categorical variables. For modelling we have used an iterative approach using logistic regression and </a:t>
-            </a:r>
+            <a:endParaRPr lang="en-GB" dirty="0"/>
           </a:p>
         </p:txBody>
       </p:sp>
@@ -4287,331 +4284,6 @@
           <a:bodyPr/>
           <a:lstStyle/>
           <a:p>
-            <a:r>
-              <a:rPr lang="en-GB" dirty="0"/>
-              <a:t>Started with the dummy model and measuring the effectiveness looked at logistic model, logistic model with poly feature and </a:t>
-            </a:r>
-            <a:r>
-              <a:rPr lang="en-GB" dirty="0" err="1"/>
-              <a:t>gs</a:t>
-            </a:r>
-            <a:r>
-              <a:rPr lang="en-GB" dirty="0"/>
-              <a:t> model. Essentially another logistic with poly feature model with hyperparameter adjusted. At each stage model performance was evaluated on train data and test data. So higher the score better the model performance is. If you observe the except for recall all other indicators are highest in the </a:t>
-            </a:r>
-            <a:r>
-              <a:rPr lang="en-GB" dirty="0" err="1"/>
-              <a:t>gs</a:t>
-            </a:r>
-            <a:r>
-              <a:rPr lang="en-GB" dirty="0"/>
-              <a:t> model. Where logistic model with hyper parameter adjusted.</a:t>
-            </a:r>
-          </a:p>
-          <a:p>
-            <a:endParaRPr lang="en-GB" dirty="0"/>
-          </a:p>
-          <a:p>
-            <a:pPr algn="l">
-              <a:buFont typeface="+mj-lt"/>
-              <a:buAutoNum type="arabicPeriod"/>
-            </a:pPr>
-            <a:r>
-              <a:rPr lang="en-GB" b="1" i="0" dirty="0">
-                <a:solidFill>
-                  <a:srgbClr val="374151"/>
-                </a:solidFill>
-                <a:effectLst/>
-                <a:latin typeface="Söhne"/>
-              </a:rPr>
-              <a:t>Accuracy:</a:t>
-            </a:r>
-            <a:endParaRPr lang="en-GB" b="0" i="0" dirty="0">
-              <a:solidFill>
-                <a:srgbClr val="374151"/>
-              </a:solidFill>
-              <a:effectLst/>
-              <a:latin typeface="Söhne"/>
-            </a:endParaRPr>
-          </a:p>
-          <a:p>
-            <a:pPr marL="742950" lvl="1" indent="-285750" algn="l">
-              <a:buFont typeface="+mj-lt"/>
-              <a:buAutoNum type="arabicPeriod"/>
-            </a:pPr>
-            <a:r>
-              <a:rPr lang="en-GB" b="1" i="0" dirty="0">
-                <a:solidFill>
-                  <a:srgbClr val="374151"/>
-                </a:solidFill>
-                <a:effectLst/>
-                <a:latin typeface="Söhne"/>
-              </a:rPr>
-              <a:t>Interpretation:</a:t>
-            </a:r>
-            <a:r>
-              <a:rPr lang="en-GB" b="0" i="0" dirty="0">
-                <a:solidFill>
-                  <a:srgbClr val="374151"/>
-                </a:solidFill>
-                <a:effectLst/>
-                <a:latin typeface="Söhne"/>
-              </a:rPr>
-              <a:t> The proportion of correctly classified instances out of the total instances.</a:t>
-            </a:r>
-          </a:p>
-          <a:p>
-            <a:pPr marL="742950" lvl="1" indent="-285750" algn="l">
-              <a:buFont typeface="+mj-lt"/>
-              <a:buAutoNum type="arabicPeriod"/>
-            </a:pPr>
-            <a:r>
-              <a:rPr lang="en-GB" b="1" i="0" dirty="0">
-                <a:solidFill>
-                  <a:srgbClr val="374151"/>
-                </a:solidFill>
-                <a:effectLst/>
-                <a:latin typeface="Söhne"/>
-              </a:rPr>
-              <a:t>Higher is better:</a:t>
-            </a:r>
-            <a:r>
-              <a:rPr lang="en-GB" b="0" i="0" dirty="0">
-                <a:solidFill>
-                  <a:srgbClr val="374151"/>
-                </a:solidFill>
-                <a:effectLst/>
-                <a:latin typeface="Söhne"/>
-              </a:rPr>
-              <a:t> A higher accuracy score indicates better performance.</a:t>
-            </a:r>
-          </a:p>
-          <a:p>
-            <a:pPr algn="l">
-              <a:buFont typeface="+mj-lt"/>
-              <a:buAutoNum type="arabicPeriod"/>
-            </a:pPr>
-            <a:r>
-              <a:rPr lang="en-GB" b="1" i="0" dirty="0">
-                <a:solidFill>
-                  <a:srgbClr val="374151"/>
-                </a:solidFill>
-                <a:effectLst/>
-                <a:latin typeface="Söhne"/>
-              </a:rPr>
-              <a:t>Precision:</a:t>
-            </a:r>
-            <a:endParaRPr lang="en-GB" b="0" i="0" dirty="0">
-              <a:solidFill>
-                <a:srgbClr val="374151"/>
-              </a:solidFill>
-              <a:effectLst/>
-              <a:latin typeface="Söhne"/>
-            </a:endParaRPr>
-          </a:p>
-          <a:p>
-            <a:pPr marL="742950" lvl="1" indent="-285750" algn="l">
-              <a:buFont typeface="+mj-lt"/>
-              <a:buAutoNum type="arabicPeriod"/>
-            </a:pPr>
-            <a:r>
-              <a:rPr lang="en-GB" b="1" i="0" dirty="0">
-                <a:solidFill>
-                  <a:srgbClr val="374151"/>
-                </a:solidFill>
-                <a:effectLst/>
-                <a:latin typeface="Söhne"/>
-              </a:rPr>
-              <a:t>Interpretation:</a:t>
-            </a:r>
-            <a:r>
-              <a:rPr lang="en-GB" b="0" i="0" dirty="0">
-                <a:solidFill>
-                  <a:srgbClr val="374151"/>
-                </a:solidFill>
-                <a:effectLst/>
-                <a:latin typeface="Söhne"/>
-              </a:rPr>
-              <a:t> The proportion of true positives (correctly predicted positive instances) out of all predicted positives.</a:t>
-            </a:r>
-          </a:p>
-          <a:p>
-            <a:pPr marL="742950" lvl="1" indent="-285750" algn="l">
-              <a:buFont typeface="+mj-lt"/>
-              <a:buAutoNum type="arabicPeriod"/>
-            </a:pPr>
-            <a:r>
-              <a:rPr lang="en-GB" b="1" i="0" dirty="0">
-                <a:solidFill>
-                  <a:srgbClr val="374151"/>
-                </a:solidFill>
-                <a:effectLst/>
-                <a:latin typeface="Söhne"/>
-              </a:rPr>
-              <a:t>Higher is better:</a:t>
-            </a:r>
-            <a:r>
-              <a:rPr lang="en-GB" b="0" i="0" dirty="0">
-                <a:solidFill>
-                  <a:srgbClr val="374151"/>
-                </a:solidFill>
-                <a:effectLst/>
-                <a:latin typeface="Söhne"/>
-              </a:rPr>
-              <a:t> A higher precision score indicates fewer false positives.</a:t>
-            </a:r>
-          </a:p>
-          <a:p>
-            <a:pPr algn="l">
-              <a:buFont typeface="+mj-lt"/>
-              <a:buAutoNum type="arabicPeriod"/>
-            </a:pPr>
-            <a:r>
-              <a:rPr lang="en-GB" b="1" i="0" dirty="0">
-                <a:solidFill>
-                  <a:srgbClr val="374151"/>
-                </a:solidFill>
-                <a:effectLst/>
-                <a:latin typeface="Söhne"/>
-              </a:rPr>
-              <a:t>Recall (Sensitivity):</a:t>
-            </a:r>
-            <a:endParaRPr lang="en-GB" b="0" i="0" dirty="0">
-              <a:solidFill>
-                <a:srgbClr val="374151"/>
-              </a:solidFill>
-              <a:effectLst/>
-              <a:latin typeface="Söhne"/>
-            </a:endParaRPr>
-          </a:p>
-          <a:p>
-            <a:pPr marL="742950" lvl="1" indent="-285750" algn="l">
-              <a:buFont typeface="+mj-lt"/>
-              <a:buAutoNum type="arabicPeriod"/>
-            </a:pPr>
-            <a:r>
-              <a:rPr lang="en-GB" b="1" i="0" dirty="0">
-                <a:solidFill>
-                  <a:srgbClr val="374151"/>
-                </a:solidFill>
-                <a:effectLst/>
-                <a:latin typeface="Söhne"/>
-              </a:rPr>
-              <a:t>Interpretation:</a:t>
-            </a:r>
-            <a:r>
-              <a:rPr lang="en-GB" b="0" i="0" dirty="0">
-                <a:solidFill>
-                  <a:srgbClr val="374151"/>
-                </a:solidFill>
-                <a:effectLst/>
-                <a:latin typeface="Söhne"/>
-              </a:rPr>
-              <a:t> The proportion of true positives out of all actual positives.</a:t>
-            </a:r>
-          </a:p>
-          <a:p>
-            <a:pPr marL="742950" lvl="1" indent="-285750" algn="l">
-              <a:buFont typeface="+mj-lt"/>
-              <a:buAutoNum type="arabicPeriod"/>
-            </a:pPr>
-            <a:r>
-              <a:rPr lang="en-GB" b="1" i="0" dirty="0">
-                <a:solidFill>
-                  <a:srgbClr val="374151"/>
-                </a:solidFill>
-                <a:effectLst/>
-                <a:latin typeface="Söhne"/>
-              </a:rPr>
-              <a:t>Higher is better:</a:t>
-            </a:r>
-            <a:r>
-              <a:rPr lang="en-GB" b="0" i="0" dirty="0">
-                <a:solidFill>
-                  <a:srgbClr val="374151"/>
-                </a:solidFill>
-                <a:effectLst/>
-                <a:latin typeface="Söhne"/>
-              </a:rPr>
-              <a:t> A higher recall score indicates fewer false negatives.</a:t>
-            </a:r>
-          </a:p>
-          <a:p>
-            <a:pPr algn="l">
-              <a:buFont typeface="+mj-lt"/>
-              <a:buAutoNum type="arabicPeriod"/>
-            </a:pPr>
-            <a:r>
-              <a:rPr lang="en-GB" b="1" i="0" dirty="0">
-                <a:solidFill>
-                  <a:srgbClr val="374151"/>
-                </a:solidFill>
-                <a:effectLst/>
-                <a:latin typeface="Söhne"/>
-              </a:rPr>
-              <a:t>F1 Score:</a:t>
-            </a:r>
-            <a:endParaRPr lang="en-GB" b="0" i="0" dirty="0">
-              <a:solidFill>
-                <a:srgbClr val="374151"/>
-              </a:solidFill>
-              <a:effectLst/>
-              <a:latin typeface="Söhne"/>
-            </a:endParaRPr>
-          </a:p>
-          <a:p>
-            <a:pPr marL="742950" lvl="1" indent="-285750" algn="l">
-              <a:buFont typeface="+mj-lt"/>
-              <a:buAutoNum type="arabicPeriod"/>
-            </a:pPr>
-            <a:r>
-              <a:rPr lang="en-GB" b="1" i="0" dirty="0">
-                <a:solidFill>
-                  <a:srgbClr val="374151"/>
-                </a:solidFill>
-                <a:effectLst/>
-                <a:latin typeface="Söhne"/>
-              </a:rPr>
-              <a:t>Interpretation:</a:t>
-            </a:r>
-            <a:r>
-              <a:rPr lang="en-GB" b="0" i="0" dirty="0">
-                <a:solidFill>
-                  <a:srgbClr val="374151"/>
-                </a:solidFill>
-                <a:effectLst/>
-                <a:latin typeface="Söhne"/>
-              </a:rPr>
-              <a:t> The balance between precision and recall. It's the harmonic mean of precision and recall.</a:t>
-            </a:r>
-          </a:p>
-          <a:p>
-            <a:pPr marL="742950" lvl="1" indent="-285750" algn="l">
-              <a:buFont typeface="+mj-lt"/>
-              <a:buAutoNum type="arabicPeriod"/>
-            </a:pPr>
-            <a:r>
-              <a:rPr lang="en-GB" b="1" i="0" dirty="0">
-                <a:solidFill>
-                  <a:srgbClr val="374151"/>
-                </a:solidFill>
-                <a:effectLst/>
-                <a:latin typeface="Söhne"/>
-              </a:rPr>
-              <a:t>Higher is better:</a:t>
-            </a:r>
-            <a:r>
-              <a:rPr lang="en-GB" b="0" i="0" dirty="0">
-                <a:solidFill>
-                  <a:srgbClr val="374151"/>
-                </a:solidFill>
-                <a:effectLst/>
-                <a:latin typeface="Söhne"/>
-              </a:rPr>
-              <a:t> A higher F1 score indicates a good balance between precision and recall.</a:t>
-            </a:r>
-          </a:p>
-          <a:p>
             <a:endParaRPr lang="en-GB" dirty="0"/>
           </a:p>
         </p:txBody>
@@ -4696,26 +4368,7 @@
           <a:bodyPr/>
           <a:lstStyle/>
           <a:p>
-            <a:r>
-              <a:rPr lang="en-GB" dirty="0"/>
-              <a:t>Looked at how test data categories into the </a:t>
-            </a:r>
-            <a:r>
-              <a:rPr lang="en-GB" dirty="0" err="1"/>
-              <a:t>qudrants</a:t>
-            </a:r>
-            <a:r>
-              <a:rPr lang="en-GB" dirty="0"/>
-              <a:t>. Out main focus is to reduce the incorrect categorization. Whether person is not going to churn predict as churn and person going to churn categories as not going to churn as that could impact business adversely. If you look at the counts of incorrect classification has come down to 94 in </a:t>
-            </a:r>
-            <a:r>
-              <a:rPr lang="en-GB" dirty="0" err="1"/>
-              <a:t>gs</a:t>
-            </a:r>
-            <a:r>
-              <a:rPr lang="en-GB" dirty="0"/>
-              <a:t> model</a:t>
-            </a:r>
+            <a:endParaRPr lang="en-GB" dirty="0"/>
           </a:p>
         </p:txBody>
       </p:sp>
@@ -4799,20 +4452,6 @@
           <a:bodyPr/>
           <a:lstStyle/>
           <a:p>
-            <a:r>
-              <a:rPr lang="en-GB" dirty="0"/>
-              <a:t>Then applied another measurement to identify model effectiveness. So inspected Area under the ROC curve. So better the model the curve should point towards top left corner. So again better model is </a:t>
-            </a:r>
-            <a:r>
-              <a:rPr lang="en-GB" dirty="0" err="1"/>
-              <a:t>gs</a:t>
-            </a:r>
-            <a:r>
-              <a:rPr lang="en-GB" dirty="0"/>
-              <a:t> model.</a:t>
-            </a:r>
-          </a:p>
-          <a:p>
             <a:endParaRPr lang="en-GB" dirty="0"/>
           </a:p>
         </p:txBody>
@@ -4984,7 +4623,7 @@
           <a:p>
             <a:fld id="{64F0E216-BA48-4F04-AC4F-645AA0DD6AC6}" type="datetimeFigureOut">
               <a:rPr lang="en-US" smtClean="0"/>
-              <a:t>10/5/2023</a:t>
+              <a:t>10/6/2023</a:t>
             </a:fld>
             <a:endParaRPr lang="en-US" dirty="0"/>
           </a:p>
@@ -5154,7 +4793,7 @@
           <a:p>
             <a:fld id="{64F0E216-BA48-4F04-AC4F-645AA0DD6AC6}" type="datetimeFigureOut">
               <a:rPr lang="en-US" smtClean="0"/>
-              <a:t>10/5/2023</a:t>
+              <a:t>10/6/2023</a:t>
             </a:fld>
             <a:endParaRPr lang="en-US"/>
           </a:p>
@@ -5334,7 +4973,7 @@
           <a:p>
             <a:fld id="{64F0E216-BA48-4F04-AC4F-645AA0DD6AC6}" type="datetimeFigureOut">
               <a:rPr lang="en-US" smtClean="0"/>
-              <a:t>10/5/2023</a:t>
+              <a:t>10/6/2023</a:t>
             </a:fld>
             <a:endParaRPr lang="en-US"/>
           </a:p>
@@ -5504,7 +5143,7 @@
           <a:p>
             <a:fld id="{64F0E216-BA48-4F04-AC4F-645AA0DD6AC6}" type="datetimeFigureOut">
               <a:rPr lang="en-US" smtClean="0"/>
-              <a:t>10/5/2023</a:t>
+              <a:t>10/6/2023</a:t>
             </a:fld>
             <a:endParaRPr lang="en-US"/>
           </a:p>
@@ -5750,7 +5389,7 @@
           <a:p>
             <a:fld id="{64F0E216-BA48-4F04-AC4F-645AA0DD6AC6}" type="datetimeFigureOut">
               <a:rPr lang="en-US" smtClean="0"/>
-              <a:t>10/5/2023</a:t>
+              <a:t>10/6/2023</a:t>
             </a:fld>
             <a:endParaRPr lang="en-US"/>
           </a:p>
@@ -5982,7 +5621,7 @@
           <a:p>
             <a:fld id="{64F0E216-BA48-4F04-AC4F-645AA0DD6AC6}" type="datetimeFigureOut">
               <a:rPr lang="en-US" smtClean="0"/>
-              <a:t>10/5/2023</a:t>
+              <a:t>10/6/2023</a:t>
             </a:fld>
             <a:endParaRPr lang="en-US"/>
           </a:p>
@@ -6349,7 +5988,7 @@
           <a:p>
             <a:fld id="{64F0E216-BA48-4F04-AC4F-645AA0DD6AC6}" type="datetimeFigureOut">
               <a:rPr lang="en-US" smtClean="0"/>
-              <a:t>10/5/2023</a:t>
+              <a:t>10/6/2023</a:t>
             </a:fld>
             <a:endParaRPr lang="en-US"/>
           </a:p>
@@ -6467,7 +6106,7 @@
           <a:p>
             <a:fld id="{64F0E216-BA48-4F04-AC4F-645AA0DD6AC6}" type="datetimeFigureOut">
               <a:rPr lang="en-US" smtClean="0"/>
-              <a:t>10/5/2023</a:t>
+              <a:t>10/6/2023</a:t>
             </a:fld>
             <a:endParaRPr lang="en-US"/>
           </a:p>
@@ -6562,7 +6201,7 @@
           <a:p>
             <a:fld id="{64F0E216-BA48-4F04-AC4F-645AA0DD6AC6}" type="datetimeFigureOut">
               <a:rPr lang="en-US" smtClean="0"/>
-              <a:t>10/5/2023</a:t>
+              <a:t>10/6/2023</a:t>
             </a:fld>
             <a:endParaRPr lang="en-US"/>
           </a:p>
@@ -6839,7 +6478,7 @@
           <a:p>
             <a:fld id="{64F0E216-BA48-4F04-AC4F-645AA0DD6AC6}" type="datetimeFigureOut">
               <a:rPr lang="en-US" smtClean="0"/>
-              <a:t>10/5/2023</a:t>
+              <a:t>10/6/2023</a:t>
             </a:fld>
             <a:endParaRPr lang="en-US"/>
           </a:p>
@@ -7096,7 +6735,7 @@
           <a:p>
             <a:fld id="{64F0E216-BA48-4F04-AC4F-645AA0DD6AC6}" type="datetimeFigureOut">
               <a:rPr lang="en-US" smtClean="0"/>
-              <a:t>10/5/2023</a:t>
+              <a:t>10/6/2023</a:t>
             </a:fld>
             <a:endParaRPr lang="en-US"/>
           </a:p>
@@ -7310,7 +6949,7 @@
             <a:fld id="{64F0E216-BA48-4F04-AC4F-645AA0DD6AC6}" type="datetimeFigureOut">
               <a:rPr lang="en-US" smtClean="0"/>
               <a:pPr/>
-              <a:t>10/5/2023</a:t>
+              <a:t>10/6/2023</a:t>
             </a:fld>
             <a:endParaRPr lang="en-US" dirty="0"/>
           </a:p>
@@ -8590,7 +8229,7 @@
         <p:spPr>
           <a:xfrm>
             <a:off x="371094" y="2728214"/>
-            <a:ext cx="4261866" cy="3207258"/>
+            <a:ext cx="4581906" cy="3207258"/>
           </a:xfrm>
         </p:spPr>
         <p:txBody>
@@ -8608,7 +8247,7 @@
                   <a:schemeClr val="bg1"/>
                 </a:solidFill>
               </a:rPr>
-              <a:t>Develop a statistical model to predict Customer Churn</a:t>
+              <a:t>Model to predict customer churn</a:t>
             </a:r>
           </a:p>
         </p:txBody>
@@ -8929,7 +8568,7 @@
             <p:ph idx="1"/>
             <p:extLst>
               <p:ext uri="{D42A27DB-BD31-4B8C-83A1-F6EECF244321}">
-                <p14:modId xmlns:p14="http://schemas.microsoft.com/office/powerpoint/2010/main" val="3363199169"/>
+                <p14:modId xmlns:p14="http://schemas.microsoft.com/office/powerpoint/2010/main" val="596836462"/>
               </p:ext>
             </p:extLst>
           </p:nvPr>
@@ -9072,7 +8711,7 @@
           <a:p>
             <a:r>
               <a:rPr lang="en-GB" b="1" dirty="0"/>
-              <a:t>Model Effectiveness </a:t>
+              <a:t>Model Effectiveness Indicators </a:t>
             </a:r>
           </a:p>
         </p:txBody>
@@ -9230,14 +8869,14 @@
             <p:ph idx="1"/>
             <p:extLst>
               <p:ext uri="{D42A27DB-BD31-4B8C-83A1-F6EECF244321}">
-                <p14:modId xmlns:p14="http://schemas.microsoft.com/office/powerpoint/2010/main" val="695184444"/>
+                <p14:modId xmlns:p14="http://schemas.microsoft.com/office/powerpoint/2010/main" val="1818799317"/>
               </p:ext>
             </p:extLst>
           </p:nvPr>
         </p:nvGraphicFramePr>
         <p:xfrm>
-          <a:off x="162491" y="1848438"/>
-          <a:ext cx="11867019" cy="4050366"/>
+          <a:off x="162490" y="1848438"/>
+          <a:ext cx="11935713" cy="4357410"/>
         </p:xfrm>
         <a:graphic>
           <a:graphicData uri="http://schemas.openxmlformats.org/drawingml/2006/table">
@@ -9247,70 +8886,56 @@
                 <a:tableStyleId>{8A107856-5554-42FB-B03E-39F5DBC370BA}</a:tableStyleId>
               </a:tblPr>
               <a:tblGrid>
-                <a:gridCol w="1519811">
+                <a:gridCol w="1919841">
                   <a:extLst>
                     <a:ext uri="{9D8B030D-6E8A-4147-A177-3AD203B41FA5}">
                       <a16:colId xmlns:a16="http://schemas.microsoft.com/office/drawing/2014/main" val="3245824741"/>
                     </a:ext>
                   </a:extLst>
                 </a:gridCol>
-                <a:gridCol w="1116000">
+                <a:gridCol w="1491403">
                   <a:extLst>
                     <a:ext uri="{9D8B030D-6E8A-4147-A177-3AD203B41FA5}">
                       <a16:colId xmlns:a16="http://schemas.microsoft.com/office/drawing/2014/main" val="1872682901"/>
                     </a:ext>
                   </a:extLst>
                 </a:gridCol>
-                <a:gridCol w="1116000">
+                <a:gridCol w="1444318">
                   <a:extLst>
                     <a:ext uri="{9D8B030D-6E8A-4147-A177-3AD203B41FA5}">
                       <a16:colId xmlns:a16="http://schemas.microsoft.com/office/drawing/2014/main" val="801477372"/>
                     </a:ext>
                   </a:extLst>
                 </a:gridCol>
-                <a:gridCol w="1116000">
+                <a:gridCol w="1444318">
                   <a:extLst>
                     <a:ext uri="{9D8B030D-6E8A-4147-A177-3AD203B41FA5}">
                       <a16:colId xmlns:a16="http://schemas.microsoft.com/office/drawing/2014/main" val="2871161224"/>
                     </a:ext>
                   </a:extLst>
                 </a:gridCol>
-                <a:gridCol w="1116000">
+                <a:gridCol w="1444318">
                   <a:extLst>
                     <a:ext uri="{9D8B030D-6E8A-4147-A177-3AD203B41FA5}">
                       <a16:colId xmlns:a16="http://schemas.microsoft.com/office/drawing/2014/main" val="2813244972"/>
                     </a:ext>
                   </a:extLst>
                 </a:gridCol>
-                <a:gridCol w="1116000">
+                <a:gridCol w="1444318">
                   <a:extLst>
                     <a:ext uri="{9D8B030D-6E8A-4147-A177-3AD203B41FA5}">
                       <a16:colId xmlns:a16="http://schemas.microsoft.com/office/drawing/2014/main" val="3730240949"/>
                     </a:ext>
                   </a:extLst>
                 </a:gridCol>
-                <a:gridCol w="1283780">
-                  <a:extLst>
-                    <a:ext uri="{9D8B030D-6E8A-4147-A177-3AD203B41FA5}">
-                      <a16:colId xmlns:a16="http://schemas.microsoft.com/office/drawing/2014/main" val="828994031"/>
-                    </a:ext>
-                  </a:extLst>
-                </a:gridCol>
-                <a:gridCol w="1045028">
+                <a:gridCol w="1352466">
                   <a:extLst>
                     <a:ext uri="{9D8B030D-6E8A-4147-A177-3AD203B41FA5}">
                       <a16:colId xmlns:a16="http://schemas.microsoft.com/office/drawing/2014/main" val="3732215518"/>
                     </a:ext>
                   </a:extLst>
                 </a:gridCol>
-                <a:gridCol w="1360715">
-                  <a:extLst>
-                    <a:ext uri="{9D8B030D-6E8A-4147-A177-3AD203B41FA5}">
-                      <a16:colId xmlns:a16="http://schemas.microsoft.com/office/drawing/2014/main" val="3371591361"/>
-                    </a:ext>
-                  </a:extLst>
-                </a:gridCol>
-                <a:gridCol w="1077685">
+                <a:gridCol w="1394731">
                   <a:extLst>
                     <a:ext uri="{9D8B030D-6E8A-4147-A177-3AD203B41FA5}">
                       <a16:colId xmlns:a16="http://schemas.microsoft.com/office/drawing/2014/main" val="2333023344"/>
@@ -9318,7 +8943,7 @@
                   </a:extLst>
                 </a:gridCol>
               </a:tblGrid>
-              <a:tr h="843510">
+              <a:tr h="861332">
                 <a:tc>
                   <a:txBody>
                     <a:bodyPr/>
@@ -9649,36 +9274,9 @@
                           <a:effectLst/>
                           <a:latin typeface="Trebuchet MS" panose="020B0603020202020204" pitchFamily="34" charset="0"/>
                         </a:rPr>
-                        <a:t>CV</a:t>
+                        <a:t>CV with </a:t>
                       </a:r>
                     </a:p>
-                  </a:txBody>
-                  <a:tcPr marL="170465" marR="143635" marT="85232" marB="85232" anchor="ctr">
-                    <a:lnL w="12700" cmpd="sng">
-                      <a:noFill/>
-                      <a:prstDash val="solid"/>
-                    </a:lnL>
-                    <a:lnR w="12700" cmpd="sng">
-                      <a:noFill/>
-                      <a:prstDash val="solid"/>
-                    </a:lnR>
-                    <a:lnT w="12700" cmpd="sng">
-                      <a:noFill/>
-                      <a:prstDash val="solid"/>
-                    </a:lnT>
-                    <a:lnB w="9525" cap="flat" cmpd="sng" algn="ctr">
-                      <a:solidFill>
-                        <a:srgbClr val="D8DCDC"/>
-                      </a:solidFill>
-                      <a:prstDash val="solid"/>
-                    </a:lnB>
-                    <a:noFill/>
-                  </a:tcPr>
-                </a:tc>
-                <a:tc>
-                  <a:txBody>
-                    <a:bodyPr/>
-                    <a:lstStyle/>
                     <a:p>
                       <a:pPr algn="ctr" fontAlgn="ctr"/>
                       <a:r>
@@ -9692,7 +9290,7 @@
                           <a:effectLst/>
                           <a:latin typeface="Trebuchet MS" panose="020B0603020202020204" pitchFamily="34" charset="0"/>
                         </a:rPr>
-                        <a:t>Precision</a:t>
+                        <a:t>F1 scoring</a:t>
                       </a:r>
                     </a:p>
                   </a:txBody>
@@ -9757,49 +9355,9 @@
                         <a:srgbClr val="D8DCDC"/>
                       </a:solidFill>
                       <a:prstDash val="solid"/>
-                    </a:lnB>
-                    <a:noFill/>
-                  </a:tcPr>
-                </a:tc>
-                <a:tc>
-                  <a:txBody>
-                    <a:bodyPr/>
-                    <a:lstStyle/>
-                    <a:p>
-                      <a:pPr algn="ctr" fontAlgn="ctr"/>
-                      <a:r>
-                        <a:rPr lang="en-GB" sz="1400" b="1" cap="all" spc="60" dirty="0">
-                          <a:solidFill>
-                            <a:schemeClr val="tx1">
-                              <a:lumMod val="75000"/>
-                              <a:lumOff val="25000"/>
-                            </a:schemeClr>
-                          </a:solidFill>
-                          <a:effectLst/>
-                          <a:latin typeface="Trebuchet MS" panose="020B0603020202020204" pitchFamily="34" charset="0"/>
-                        </a:rPr>
-                        <a:t>Accuracy</a:t>
-                      </a:r>
-                    </a:p>
-                  </a:txBody>
-                  <a:tcPr marL="170465" marR="143635" marT="85232" marB="85232" anchor="ctr">
-                    <a:lnL w="12700" cmpd="sng">
-                      <a:noFill/>
-                      <a:prstDash val="solid"/>
-                    </a:lnL>
-                    <a:lnR w="12700" cmpd="sng">
-                      <a:noFill/>
-                      <a:prstDash val="solid"/>
-                    </a:lnR>
-                    <a:lnT w="12700" cmpd="sng">
-                      <a:noFill/>
-                      <a:prstDash val="solid"/>
-                    </a:lnT>
-                    <a:lnB w="9525" cap="flat" cmpd="sng" algn="ctr">
-                      <a:solidFill>
-                        <a:srgbClr val="D8DCDC"/>
-                      </a:solidFill>
-                      <a:prstDash val="solid"/>
+                      <a:round/>
+                      <a:headEnd type="none" w="med" len="med"/>
+                      <a:tailEnd type="none" w="med" len="med"/>
                     </a:lnB>
                     <a:noFill/>
                   </a:tcPr>
@@ -9859,6 +9417,9 @@
                         <a:srgbClr val="D8DCDC"/>
                       </a:solidFill>
                       <a:prstDash val="solid"/>
+                      <a:round/>
+                      <a:headEnd type="none" w="med" len="med"/>
+                      <a:tailEnd type="none" w="med" len="med"/>
                     </a:lnB>
                     <a:noFill/>
                   </a:tcPr>
@@ -9869,7 +9430,7 @@
                   </a:ext>
                 </a:extLst>
               </a:tr>
-              <a:tr h="581167">
+              <a:tr h="593446">
                 <a:tc>
                   <a:txBody>
                     <a:bodyPr/>
@@ -10060,7 +9621,7 @@
                           <a:ea typeface="+mn-ea"/>
                           <a:cs typeface="+mn-cs"/>
                         </a:rPr>
-                        <a:t>0.4989</a:t>
+                        <a:t>4.9479</a:t>
                       </a:r>
                     </a:p>
                   </a:txBody>
@@ -10112,7 +9673,7 @@
                     <a:p>
                       <a:pPr marL="0" algn="ctr" defTabSz="914400" rtl="0" eaLnBrk="1" fontAlgn="ctr" latinLnBrk="0" hangingPunct="1"/>
                       <a:r>
-                        <a:rPr lang="en-GB" sz="1400" kern="1200" cap="none" spc="0">
+                        <a:rPr lang="en-GB" sz="1400" kern="1200" cap="none" spc="0" dirty="0">
                           <a:solidFill>
                             <a:schemeClr val="tx1">
                               <a:lumMod val="75000"/>
@@ -10124,20 +9685,8 @@
                           <a:ea typeface="+mn-ea"/>
                           <a:cs typeface="+mn-cs"/>
                         </a:rPr>
-                        <a:t>0.5008</a:t>
+                        <a:t>5.1767</a:t>
                       </a:r>
-                      <a:endParaRPr lang="en-GB" sz="1400" kern="1200" cap="none" spc="0" dirty="0">
-                        <a:solidFill>
-                          <a:schemeClr val="tx1">
-                            <a:lumMod val="75000"/>
-                            <a:lumOff val="25000"/>
-                          </a:schemeClr>
-                        </a:solidFill>
-                        <a:effectLst/>
-                        <a:latin typeface="Trebuchet MS" panose="020B0603020202020204" pitchFamily="34" charset="0"/>
-                        <a:ea typeface="+mn-ea"/>
-                        <a:cs typeface="+mn-cs"/>
-                      </a:endParaRPr>
                     </a:p>
                   </a:txBody>
                   <a:tcPr anchor="ctr">
@@ -10267,6 +9816,9 @@
                         <a:srgbClr val="D8DCDC"/>
                       </a:solidFill>
                       <a:prstDash val="solid"/>
+                      <a:round/>
+                      <a:headEnd type="none" w="med" len="med"/>
+                      <a:tailEnd type="none" w="med" len="med"/>
                     </a:lnL>
                     <a:lnR w="9525" cap="flat" cmpd="sng" algn="ctr">
                       <a:solidFill>
@@ -10279,6 +9831,9 @@
                         <a:srgbClr val="D8DCDC"/>
                       </a:solidFill>
                       <a:prstDash val="solid"/>
+                      <a:round/>
+                      <a:headEnd type="none" w="med" len="med"/>
+                      <a:tailEnd type="none" w="med" len="med"/>
                     </a:lnT>
                     <a:lnB w="9525" cap="flat" cmpd="sng" algn="ctr">
                       <a:solidFill>
@@ -10323,62 +9878,9 @@
                         <a:srgbClr val="D8DCDC"/>
                       </a:solidFill>
                       <a:prstDash val="solid"/>
-                    </a:lnL>
-                    <a:lnR w="9525" cap="flat" cmpd="sng" algn="ctr">
-                      <a:solidFill>
-                        <a:srgbClr val="D8DCDC"/>
-                      </a:solidFill>
-                      <a:prstDash val="solid"/>
-                    </a:lnR>
-                    <a:lnT w="9525" cap="flat" cmpd="sng" algn="ctr">
-                      <a:solidFill>
-                        <a:srgbClr val="D8DCDC"/>
-                      </a:solidFill>
-                      <a:prstDash val="solid"/>
-                    </a:lnT>
-                    <a:lnB w="9525" cap="flat" cmpd="sng" algn="ctr">
-                      <a:solidFill>
-                        <a:srgbClr val="D8DCDC"/>
-                      </a:solidFill>
-                      <a:prstDash val="solid"/>
                       <a:round/>
                       <a:headEnd type="none" w="med" len="med"/>
                       <a:tailEnd type="none" w="med" len="med"/>
-                    </a:lnB>
-                    <a:solidFill>
-                      <a:srgbClr val="D8DEDC">
-                        <a:alpha val="20000"/>
-                      </a:srgbClr>
-                    </a:solidFill>
-                  </a:tcPr>
-                </a:tc>
-                <a:tc>
-                  <a:txBody>
-                    <a:bodyPr/>
-                    <a:lstStyle/>
-                    <a:p>
-                      <a:pPr algn="ctr" fontAlgn="ctr"/>
-                      <a:r>
-                        <a:rPr lang="en-GB" sz="1400" cap="none" spc="0" dirty="0">
-                          <a:solidFill>
-                            <a:schemeClr val="tx1">
-                              <a:lumMod val="75000"/>
-                              <a:lumOff val="25000"/>
-                            </a:schemeClr>
-                          </a:solidFill>
-                          <a:effectLst/>
-                          <a:latin typeface="Trebuchet MS" panose="020B0603020202020204" pitchFamily="34" charset="0"/>
-                        </a:rPr>
-                        <a:t>0.85</a:t>
-                      </a:r>
-                    </a:p>
-                  </a:txBody>
-                  <a:tcPr marL="170465" marR="95756" marT="85232" marB="85232" anchor="ctr">
-                    <a:lnL w="9525" cap="flat" cmpd="sng" algn="ctr">
-                      <a:solidFill>
-                        <a:srgbClr val="D8DCDC"/>
-                      </a:solidFill>
-                      <a:prstDash val="solid"/>
                     </a:lnL>
                     <a:lnR w="9525" cap="flat" cmpd="sng" algn="ctr">
                       <a:solidFill>
@@ -10387,12 +9889,6 @@
                       <a:prstDash val="solid"/>
                     </a:lnR>
                     <a:lnT w="9525" cap="flat" cmpd="sng" algn="ctr">
-                      <a:solidFill>
-                        <a:srgbClr val="D8DCDC"/>
-                      </a:solidFill>
-                      <a:prstDash val="solid"/>
-                    </a:lnT>
-                    <a:lnB w="9525" cap="flat" cmpd="sng" algn="ctr">
                       <a:solidFill>
                         <a:srgbClr val="D8DCDC"/>
                       </a:solidFill>
@@ -10400,53 +9896,6 @@
                       <a:round/>
                       <a:headEnd type="none" w="med" len="med"/>
                       <a:tailEnd type="none" w="med" len="med"/>
-                    </a:lnB>
-                    <a:solidFill>
-                      <a:srgbClr val="D8DEDC">
-                        <a:alpha val="20000"/>
-                      </a:srgbClr>
-                    </a:solidFill>
-                  </a:tcPr>
-                </a:tc>
-                <a:tc>
-                  <a:txBody>
-                    <a:bodyPr/>
-                    <a:lstStyle/>
-                    <a:p>
-                      <a:pPr algn="ctr" fontAlgn="ctr"/>
-                      <a:r>
-                        <a:rPr lang="en-GB" sz="1400" cap="none" spc="0" dirty="0">
-                          <a:solidFill>
-                            <a:schemeClr val="tx1">
-                              <a:lumMod val="75000"/>
-                              <a:lumOff val="25000"/>
-                            </a:schemeClr>
-                          </a:solidFill>
-                          <a:effectLst/>
-                          <a:latin typeface="Trebuchet MS" panose="020B0603020202020204" pitchFamily="34" charset="0"/>
-                        </a:rPr>
-                        <a:t>0.00</a:t>
-                      </a:r>
-                    </a:p>
-                  </a:txBody>
-                  <a:tcPr marL="170465" marR="95756" marT="85232" marB="85232" anchor="ctr">
-                    <a:lnL w="9525" cap="flat" cmpd="sng" algn="ctr">
-                      <a:solidFill>
-                        <a:srgbClr val="D8DCDC"/>
-                      </a:solidFill>
-                      <a:prstDash val="solid"/>
-                    </a:lnL>
-                    <a:lnR w="9525" cap="flat" cmpd="sng" algn="ctr">
-                      <a:solidFill>
-                        <a:srgbClr val="D8DCDC"/>
-                      </a:solidFill>
-                      <a:prstDash val="solid"/>
-                    </a:lnR>
-                    <a:lnT w="9525" cap="flat" cmpd="sng" algn="ctr">
-                      <a:solidFill>
-                        <a:srgbClr val="D8DCDC"/>
-                      </a:solidFill>
-                      <a:prstDash val="solid"/>
                     </a:lnT>
                     <a:lnB w="9525" cap="flat" cmpd="sng" algn="ctr">
                       <a:solidFill>
@@ -10470,13 +9919,13 @@
                   </a:ext>
                 </a:extLst>
               </a:tr>
-              <a:tr h="761272">
+              <a:tr h="777356">
                 <a:tc>
                   <a:txBody>
                     <a:bodyPr/>
                     <a:lstStyle/>
                     <a:p>
-                      <a:pPr marL="0" algn="l" defTabSz="914400" rtl="0" eaLnBrk="1" fontAlgn="ctr" latinLnBrk="0" hangingPunct="1"/>
+                      <a:pPr marL="92075" indent="0" algn="l" defTabSz="914400" rtl="0" eaLnBrk="1" fontAlgn="ctr" latinLnBrk="0" hangingPunct="1"/>
                       <a:r>
                         <a:rPr lang="en-GB" sz="1400" kern="1200" cap="none" spc="0" dirty="0">
                           <a:solidFill>
@@ -10490,7 +9939,7 @@
                           <a:ea typeface="+mn-ea"/>
                           <a:cs typeface="+mn-cs"/>
                         </a:rPr>
-                        <a:t>Logistic Regression without SMOTE</a:t>
+                        <a:t>Logistic    Regression     without SMOTE</a:t>
                       </a:r>
                     </a:p>
                   </a:txBody>
@@ -10646,7 +10095,7 @@
                     <a:p>
                       <a:pPr marL="0" algn="ctr" defTabSz="914400" rtl="0" eaLnBrk="1" fontAlgn="ctr" latinLnBrk="0" hangingPunct="1"/>
                       <a:r>
-                        <a:rPr lang="en-GB" sz="1400" kern="1200" cap="none" spc="0">
+                        <a:rPr lang="en-GB" sz="1400" kern="1200" cap="none" spc="0" dirty="0">
                           <a:solidFill>
                             <a:schemeClr val="tx1">
                               <a:lumMod val="75000"/>
@@ -10766,7 +10215,7 @@
                     <a:p>
                       <a:pPr marL="0" algn="ctr" defTabSz="914400" rtl="0" eaLnBrk="1" fontAlgn="ctr" latinLnBrk="0" hangingPunct="1"/>
                       <a:r>
-                        <a:rPr lang="en-GB" sz="1400" kern="1200" cap="none" spc="0">
+                        <a:rPr lang="en-GB" sz="1400" kern="1200" cap="none" spc="0" dirty="0">
                           <a:solidFill>
                             <a:schemeClr val="tx1">
                               <a:lumMod val="75000"/>
@@ -10791,60 +10240,6 @@
                       <a:round/>
                       <a:headEnd type="none" w="med" len="med"/>
                       <a:tailEnd type="none" w="med" len="med"/>
-                    </a:lnL>
-                    <a:lnR w="9525" cap="flat" cmpd="sng" algn="ctr">
-                      <a:solidFill>
-                        <a:srgbClr val="D8DEDC"/>
-                      </a:solidFill>
-                      <a:prstDash val="solid"/>
-                    </a:lnR>
-                    <a:lnT w="9525" cap="flat" cmpd="sng" algn="ctr">
-                      <a:solidFill>
-                        <a:srgbClr val="D8DCDC"/>
-                      </a:solidFill>
-                      <a:prstDash val="solid"/>
-                    </a:lnT>
-                    <a:lnB w="9525" cap="flat" cmpd="sng" algn="ctr">
-                      <a:solidFill>
-                        <a:srgbClr val="D8DCDC"/>
-                      </a:solidFill>
-                      <a:prstDash val="solid"/>
-                      <a:round/>
-                      <a:headEnd type="none" w="med" len="med"/>
-                      <a:tailEnd type="none" w="med" len="med"/>
-                    </a:lnB>
-                    <a:noFill/>
-                  </a:tcPr>
-                </a:tc>
-                <a:tc>
-                  <a:txBody>
-                    <a:bodyPr/>
-                    <a:lstStyle/>
-                    <a:p>
-                      <a:pPr marL="0" algn="ctr" defTabSz="914400" rtl="0" eaLnBrk="1" fontAlgn="ctr" latinLnBrk="0" hangingPunct="1"/>
-                      <a:r>
-                        <a:rPr lang="en-GB" sz="1400" kern="1200" cap="none" spc="0">
-                          <a:solidFill>
-                            <a:schemeClr val="tx1">
-                              <a:lumMod val="75000"/>
-                              <a:lumOff val="25000"/>
-                            </a:schemeClr>
-                          </a:solidFill>
-                          <a:effectLst/>
-                          <a:latin typeface="Trebuchet MS" panose="020B0603020202020204" pitchFamily="34" charset="0"/>
-                          <a:ea typeface="+mn-ea"/>
-                          <a:cs typeface="+mn-cs"/>
-                        </a:rPr>
-                        <a:t>0.57</a:t>
-                      </a:r>
-                    </a:p>
-                  </a:txBody>
-                  <a:tcPr anchor="ctr">
-                    <a:lnL w="9525" cap="flat" cmpd="sng" algn="ctr">
-                      <a:solidFill>
-                        <a:srgbClr val="D8DEDC"/>
-                      </a:solidFill>
-                      <a:prstDash val="solid"/>
                     </a:lnL>
                     <a:lnR w="9525" cap="flat" cmpd="sng" algn="ctr">
                       <a:solidFill>
@@ -10899,60 +10294,9 @@
                         <a:srgbClr val="D8DEDC"/>
                       </a:solidFill>
                       <a:prstDash val="solid"/>
-                    </a:lnL>
-                    <a:lnR w="9525" cap="flat" cmpd="sng" algn="ctr">
-                      <a:solidFill>
-                        <a:srgbClr val="D8DEDC"/>
-                      </a:solidFill>
-                      <a:prstDash val="solid"/>
-                    </a:lnR>
-                    <a:lnT w="9525" cap="flat" cmpd="sng" algn="ctr">
-                      <a:solidFill>
-                        <a:srgbClr val="D8DCDC"/>
-                      </a:solidFill>
-                      <a:prstDash val="solid"/>
-                    </a:lnT>
-                    <a:lnB w="9525" cap="flat" cmpd="sng" algn="ctr">
-                      <a:solidFill>
-                        <a:srgbClr val="D8DCDC"/>
-                      </a:solidFill>
-                      <a:prstDash val="solid"/>
                       <a:round/>
                       <a:headEnd type="none" w="med" len="med"/>
                       <a:tailEnd type="none" w="med" len="med"/>
-                    </a:lnB>
-                    <a:noFill/>
-                  </a:tcPr>
-                </a:tc>
-                <a:tc>
-                  <a:txBody>
-                    <a:bodyPr/>
-                    <a:lstStyle/>
-                    <a:p>
-                      <a:pPr marL="0" algn="ctr" defTabSz="914400" rtl="0" eaLnBrk="1" fontAlgn="ctr" latinLnBrk="0" hangingPunct="1"/>
-                      <a:r>
-                        <a:rPr lang="en-GB" sz="1400" kern="1200" cap="none" spc="0">
-                          <a:solidFill>
-                            <a:schemeClr val="tx1">
-                              <a:lumMod val="75000"/>
-                              <a:lumOff val="25000"/>
-                            </a:schemeClr>
-                          </a:solidFill>
-                          <a:effectLst/>
-                          <a:latin typeface="Trebuchet MS" panose="020B0603020202020204" pitchFamily="34" charset="0"/>
-                          <a:ea typeface="+mn-ea"/>
-                          <a:cs typeface="+mn-cs"/>
-                        </a:rPr>
-                        <a:t>0.86</a:t>
-                      </a:r>
-                    </a:p>
-                  </a:txBody>
-                  <a:tcPr anchor="ctr">
-                    <a:lnL w="9525" cap="flat" cmpd="sng" algn="ctr">
-                      <a:solidFill>
-                        <a:srgbClr val="D8DEDC"/>
-                      </a:solidFill>
-                      <a:prstDash val="solid"/>
                     </a:lnL>
                     <a:lnR w="9525" cap="flat" cmpd="sng" algn="ctr">
                       <a:solidFill>
@@ -10965,6 +10309,9 @@
                         <a:srgbClr val="D8DCDC"/>
                       </a:solidFill>
                       <a:prstDash val="solid"/>
+                      <a:round/>
+                      <a:headEnd type="none" w="med" len="med"/>
+                      <a:tailEnd type="none" w="med" len="med"/>
                     </a:lnT>
                     <a:lnB w="9525" cap="flat" cmpd="sng" algn="ctr">
                       <a:solidFill>
@@ -11007,6 +10354,9 @@
                         <a:srgbClr val="D8DEDC"/>
                       </a:solidFill>
                       <a:prstDash val="solid"/>
+                      <a:round/>
+                      <a:headEnd type="none" w="med" len="med"/>
+                      <a:tailEnd type="none" w="med" len="med"/>
                     </a:lnL>
                     <a:lnR w="9525" cap="flat" cmpd="sng" algn="ctr">
                       <a:solidFill>
@@ -11019,6 +10369,9 @@
                         <a:srgbClr val="D8DCDC"/>
                       </a:solidFill>
                       <a:prstDash val="solid"/>
+                      <a:round/>
+                      <a:headEnd type="none" w="med" len="med"/>
+                      <a:tailEnd type="none" w="med" len="med"/>
                     </a:lnT>
                     <a:lnB w="9525" cap="flat" cmpd="sng" algn="ctr">
                       <a:solidFill>
@@ -11038,7 +10391,7 @@
                   </a:ext>
                 </a:extLst>
               </a:tr>
-              <a:tr h="843510">
+              <a:tr h="861332">
                 <a:tc>
                   <a:txBody>
                     <a:bodyPr/>
@@ -11058,7 +10411,25 @@
                           <a:ea typeface="+mn-ea"/>
                           <a:cs typeface="+mn-cs"/>
                         </a:rPr>
-                        <a:t>Logistic Regression</a:t>
+                        <a:t>Logistic</a:t>
+                      </a:r>
+                    </a:p>
+                    <a:p>
+                      <a:pPr marL="0" algn="l" defTabSz="914400" rtl="0" eaLnBrk="1" fontAlgn="ctr" latinLnBrk="0" hangingPunct="1"/>
+                      <a:r>
+                        <a:rPr lang="en-GB" sz="1400" kern="1200" cap="none" spc="0" dirty="0">
+                          <a:solidFill>
+                            <a:schemeClr val="tx1">
+                              <a:lumMod val="75000"/>
+                              <a:lumOff val="25000"/>
+                            </a:schemeClr>
+                          </a:solidFill>
+                          <a:effectLst/>
+                          <a:latin typeface="Trebuchet MS" panose="020B0603020202020204" pitchFamily="34" charset="0"/>
+                          <a:ea typeface="+mn-ea"/>
+                          <a:cs typeface="+mn-cs"/>
+                        </a:rPr>
+                        <a:t>Regression</a:t>
                       </a:r>
                     </a:p>
                     <a:p>
@@ -11448,132 +10819,6 @@
                           <a:ea typeface="+mn-ea"/>
                           <a:cs typeface="+mn-cs"/>
                         </a:rPr>
-                        <a:t>0.38</a:t>
-                      </a:r>
-                    </a:p>
-                  </a:txBody>
-                  <a:tcPr anchor="ctr">
-                    <a:lnL w="9525" cap="flat" cmpd="sng" algn="ctr">
-                      <a:solidFill>
-                        <a:srgbClr val="D8DEDC"/>
-                      </a:solidFill>
-                      <a:prstDash val="solid"/>
-                      <a:round/>
-                      <a:headEnd type="none" w="med" len="med"/>
-                      <a:tailEnd type="none" w="med" len="med"/>
-                    </a:lnL>
-                    <a:lnR w="9525" cap="flat" cmpd="sng" algn="ctr">
-                      <a:solidFill>
-                        <a:srgbClr val="D8DEDC"/>
-                      </a:solidFill>
-                      <a:prstDash val="solid"/>
-                      <a:round/>
-                      <a:headEnd type="none" w="med" len="med"/>
-                      <a:tailEnd type="none" w="med" len="med"/>
-                    </a:lnR>
-                    <a:lnT w="9525" cap="flat" cmpd="sng" algn="ctr">
-                      <a:solidFill>
-                        <a:srgbClr val="D8DCDC"/>
-                      </a:solidFill>
-                      <a:prstDash val="solid"/>
-                      <a:round/>
-                      <a:headEnd type="none" w="med" len="med"/>
-                      <a:tailEnd type="none" w="med" len="med"/>
-                    </a:lnT>
-                    <a:lnB w="9525" cap="flat" cmpd="sng" algn="ctr">
-                      <a:solidFill>
-                        <a:srgbClr val="D8DCDC"/>
-                      </a:solidFill>
-                      <a:prstDash val="solid"/>
-                      <a:round/>
-                      <a:headEnd type="none" w="med" len="med"/>
-                      <a:tailEnd type="none" w="med" len="med"/>
-                    </a:lnB>
-                    <a:noFill/>
-                  </a:tcPr>
-                </a:tc>
-                <a:tc>
-                  <a:txBody>
-                    <a:bodyPr/>
-                    <a:lstStyle/>
-                    <a:p>
-                      <a:pPr marL="0" algn="ctr" defTabSz="914400" rtl="0" eaLnBrk="1" fontAlgn="ctr" latinLnBrk="0" hangingPunct="1"/>
-                      <a:r>
-                        <a:rPr lang="en-GB" sz="1400" kern="1200" cap="none" spc="0">
-                          <a:solidFill>
-                            <a:schemeClr val="tx1">
-                              <a:lumMod val="75000"/>
-                              <a:lumOff val="25000"/>
-                            </a:schemeClr>
-                          </a:solidFill>
-                          <a:effectLst/>
-                          <a:latin typeface="Trebuchet MS" panose="020B0603020202020204" pitchFamily="34" charset="0"/>
-                          <a:ea typeface="+mn-ea"/>
-                          <a:cs typeface="+mn-cs"/>
-                        </a:rPr>
-                        <a:t>0.77</a:t>
-                      </a:r>
-                    </a:p>
-                  </a:txBody>
-                  <a:tcPr anchor="ctr">
-                    <a:lnL w="9525" cap="flat" cmpd="sng" algn="ctr">
-                      <a:solidFill>
-                        <a:srgbClr val="D8DEDC"/>
-                      </a:solidFill>
-                      <a:prstDash val="solid"/>
-                      <a:round/>
-                      <a:headEnd type="none" w="med" len="med"/>
-                      <a:tailEnd type="none" w="med" len="med"/>
-                    </a:lnL>
-                    <a:lnR w="9525" cap="flat" cmpd="sng" algn="ctr">
-                      <a:solidFill>
-                        <a:srgbClr val="D8DEDC"/>
-                      </a:solidFill>
-                      <a:prstDash val="solid"/>
-                      <a:round/>
-                      <a:headEnd type="none" w="med" len="med"/>
-                      <a:tailEnd type="none" w="med" len="med"/>
-                    </a:lnR>
-                    <a:lnT w="9525" cap="flat" cmpd="sng" algn="ctr">
-                      <a:solidFill>
-                        <a:srgbClr val="D8DCDC"/>
-                      </a:solidFill>
-                      <a:prstDash val="solid"/>
-                      <a:round/>
-                      <a:headEnd type="none" w="med" len="med"/>
-                      <a:tailEnd type="none" w="med" len="med"/>
-                    </a:lnT>
-                    <a:lnB w="9525" cap="flat" cmpd="sng" algn="ctr">
-                      <a:solidFill>
-                        <a:srgbClr val="D8DCDC"/>
-                      </a:solidFill>
-                      <a:prstDash val="solid"/>
-                      <a:round/>
-                      <a:headEnd type="none" w="med" len="med"/>
-                      <a:tailEnd type="none" w="med" len="med"/>
-                    </a:lnB>
-                    <a:noFill/>
-                  </a:tcPr>
-                </a:tc>
-                <a:tc>
-                  <a:txBody>
-                    <a:bodyPr/>
-                    <a:lstStyle/>
-                    <a:p>
-                      <a:pPr marL="0" algn="ctr" defTabSz="914400" rtl="0" eaLnBrk="1" fontAlgn="ctr" latinLnBrk="0" hangingPunct="1"/>
-                      <a:r>
-                        <a:rPr lang="en-GB" sz="1400" kern="1200" cap="none" spc="0">
-                          <a:solidFill>
-                            <a:schemeClr val="tx1">
-                              <a:lumMod val="75000"/>
-                              <a:lumOff val="25000"/>
-                            </a:schemeClr>
-                          </a:solidFill>
-                          <a:effectLst/>
-                          <a:latin typeface="Trebuchet MS" panose="020B0603020202020204" pitchFamily="34" charset="0"/>
-                          <a:ea typeface="+mn-ea"/>
-                          <a:cs typeface="+mn-cs"/>
-                        </a:rPr>
                         <a:t>0.77</a:t>
                       </a:r>
                     </a:p>
@@ -11684,7 +10929,7 @@
                   </a:ext>
                 </a:extLst>
               </a:tr>
-              <a:tr h="621472">
+              <a:tr h="843674">
                 <a:tc>
                   <a:txBody>
                     <a:bodyPr/>
@@ -12001,7 +11246,7 @@
                     <a:p>
                       <a:pPr marL="0" algn="ctr" defTabSz="914400" rtl="0" eaLnBrk="1" fontAlgn="ctr" latinLnBrk="0" hangingPunct="1"/>
                       <a:r>
-                        <a:rPr lang="en-GB" sz="1400" kern="1200" cap="none" spc="0">
+                        <a:rPr lang="en-GB" sz="1400" kern="1200" cap="none" spc="0" dirty="0">
                           <a:solidFill>
                             <a:schemeClr val="tx1">
                               <a:lumMod val="75000"/>
@@ -12026,67 +11271,6 @@
                       <a:round/>
                       <a:headEnd type="none" w="med" len="med"/>
                       <a:tailEnd type="none" w="med" len="med"/>
-                    </a:lnL>
-                    <a:lnR w="9525" cap="flat" cmpd="sng" algn="ctr">
-                      <a:solidFill>
-                        <a:srgbClr val="D8DCDC"/>
-                      </a:solidFill>
-                      <a:prstDash val="solid"/>
-                    </a:lnR>
-                    <a:lnT w="9525" cap="flat" cmpd="sng" algn="ctr">
-                      <a:solidFill>
-                        <a:srgbClr val="D8DCDC"/>
-                      </a:solidFill>
-                      <a:prstDash val="solid"/>
-                      <a:round/>
-                      <a:headEnd type="none" w="med" len="med"/>
-                      <a:tailEnd type="none" w="med" len="med"/>
-                    </a:lnT>
-                    <a:lnB w="9525" cap="flat" cmpd="sng" algn="ctr">
-                      <a:solidFill>
-                        <a:srgbClr val="D8DCDC"/>
-                      </a:solidFill>
-                      <a:prstDash val="solid"/>
-                      <a:round/>
-                      <a:headEnd type="none" w="med" len="med"/>
-                      <a:tailEnd type="none" w="med" len="med"/>
-                    </a:lnB>
-                    <a:solidFill>
-                      <a:srgbClr val="D8DEDC">
-                        <a:alpha val="20000"/>
-                      </a:srgbClr>
-                    </a:solidFill>
-                  </a:tcPr>
-                </a:tc>
-                <a:tc>
-                  <a:txBody>
-                    <a:bodyPr/>
-                    <a:lstStyle/>
-                    <a:p>
-                      <a:pPr marL="0" algn="ctr" defTabSz="914400" rtl="0" eaLnBrk="1" fontAlgn="ctr" latinLnBrk="0" hangingPunct="1"/>
-                      <a:r>
-                        <a:rPr lang="en-GB" sz="1400" kern="1200" cap="none" spc="0">
-                          <a:solidFill>
-                            <a:schemeClr val="tx1">
-                              <a:lumMod val="75000"/>
-                              <a:lumOff val="25000"/>
-                            </a:schemeClr>
-                          </a:solidFill>
-                          <a:effectLst/>
-                          <a:latin typeface="Trebuchet MS" panose="020B0603020202020204" pitchFamily="34" charset="0"/>
-                          <a:ea typeface="+mn-ea"/>
-                          <a:cs typeface="+mn-cs"/>
-                        </a:rPr>
-                        <a:t>0.50</a:t>
-                      </a:r>
-                    </a:p>
-                  </a:txBody>
-                  <a:tcPr anchor="ctr">
-                    <a:lnL w="9525" cap="flat" cmpd="sng" algn="ctr">
-                      <a:solidFill>
-                        <a:srgbClr val="D8DCDC"/>
-                      </a:solidFill>
-                      <a:prstDash val="solid"/>
                     </a:lnL>
                     <a:lnR w="9525" cap="flat" cmpd="sng" algn="ctr">
                       <a:solidFill>
@@ -12145,67 +11329,9 @@
                         <a:srgbClr val="D8DCDC"/>
                       </a:solidFill>
                       <a:prstDash val="solid"/>
-                    </a:lnL>
-                    <a:lnR w="9525" cap="flat" cmpd="sng" algn="ctr">
-                      <a:solidFill>
-                        <a:srgbClr val="D8DCDC"/>
-                      </a:solidFill>
-                      <a:prstDash val="solid"/>
-                    </a:lnR>
-                    <a:lnT w="9525" cap="flat" cmpd="sng" algn="ctr">
-                      <a:solidFill>
-                        <a:srgbClr val="D8DCDC"/>
-                      </a:solidFill>
-                      <a:prstDash val="solid"/>
                       <a:round/>
                       <a:headEnd type="none" w="med" len="med"/>
                       <a:tailEnd type="none" w="med" len="med"/>
-                    </a:lnT>
-                    <a:lnB w="9525" cap="flat" cmpd="sng" algn="ctr">
-                      <a:solidFill>
-                        <a:srgbClr val="D8DCDC"/>
-                      </a:solidFill>
-                      <a:prstDash val="solid"/>
-                      <a:round/>
-                      <a:headEnd type="none" w="med" len="med"/>
-                      <a:tailEnd type="none" w="med" len="med"/>
-                    </a:lnB>
-                    <a:solidFill>
-                      <a:srgbClr val="D8DEDC">
-                        <a:alpha val="20000"/>
-                      </a:srgbClr>
-                    </a:solidFill>
-                  </a:tcPr>
-                </a:tc>
-                <a:tc>
-                  <a:txBody>
-                    <a:bodyPr/>
-                    <a:lstStyle/>
-                    <a:p>
-                      <a:pPr marL="0" algn="ctr" defTabSz="914400" rtl="0" eaLnBrk="1" fontAlgn="ctr" latinLnBrk="0" hangingPunct="1"/>
-                      <a:r>
-                        <a:rPr lang="en-GB" sz="1400" kern="1200" cap="none" spc="0">
-                          <a:solidFill>
-                            <a:schemeClr val="tx1">
-                              <a:lumMod val="75000"/>
-                              <a:lumOff val="25000"/>
-                            </a:schemeClr>
-                          </a:solidFill>
-                          <a:effectLst/>
-                          <a:latin typeface="Trebuchet MS" panose="020B0603020202020204" pitchFamily="34" charset="0"/>
-                          <a:ea typeface="+mn-ea"/>
-                          <a:cs typeface="+mn-cs"/>
-                        </a:rPr>
-                        <a:t>0.85</a:t>
-                      </a:r>
-                    </a:p>
-                  </a:txBody>
-                  <a:tcPr anchor="ctr">
-                    <a:lnL w="9525" cap="flat" cmpd="sng" algn="ctr">
-                      <a:solidFill>
-                        <a:srgbClr val="D8DCDC"/>
-                      </a:solidFill>
-                      <a:prstDash val="solid"/>
                     </a:lnL>
                     <a:lnR w="9525" cap="flat" cmpd="sng" algn="ctr">
                       <a:solidFill>
@@ -12267,6 +11393,9 @@
                         <a:srgbClr val="D8DCDC"/>
                       </a:solidFill>
                       <a:prstDash val="solid"/>
+                      <a:round/>
+                      <a:headEnd type="none" w="med" len="med"/>
+                      <a:tailEnd type="none" w="med" len="med"/>
                     </a:lnL>
                     <a:lnR w="9525" cap="flat" cmpd="sng" algn="ctr">
                       <a:solidFill>
@@ -12305,7 +11434,7 @@
                   </a:ext>
                 </a:extLst>
               </a:tr>
-              <a:tr h="399435">
+              <a:tr h="420270">
                 <a:tc>
                   <a:txBody>
                     <a:bodyPr/>
@@ -12647,57 +11776,6 @@
                       <a:r>
                         <a:rPr lang="en-GB" sz="1400" kern="1200" cap="none" spc="0" dirty="0">
                           <a:solidFill>
-                            <a:srgbClr val="00B050"/>
-                          </a:solidFill>
-                          <a:effectLst/>
-                          <a:latin typeface="Trebuchet MS" panose="020B0603020202020204" pitchFamily="34" charset="0"/>
-                          <a:ea typeface="+mn-ea"/>
-                          <a:cs typeface="+mn-cs"/>
-                        </a:rPr>
-                        <a:t>0.61</a:t>
-                      </a:r>
-                    </a:p>
-                  </a:txBody>
-                  <a:tcPr anchor="ctr">
-                    <a:lnL w="9525" cap="flat" cmpd="sng" algn="ctr">
-                      <a:solidFill>
-                        <a:srgbClr val="D8DEDC"/>
-                      </a:solidFill>
-                      <a:prstDash val="solid"/>
-                    </a:lnL>
-                    <a:lnR w="9525" cap="flat" cmpd="sng" algn="ctr">
-                      <a:solidFill>
-                        <a:srgbClr val="D8DEDC"/>
-                      </a:solidFill>
-                      <a:prstDash val="solid"/>
-                    </a:lnR>
-                    <a:lnT w="9525" cap="flat" cmpd="sng" algn="ctr">
-                      <a:solidFill>
-                        <a:srgbClr val="D8DCDC"/>
-                      </a:solidFill>
-                      <a:prstDash val="solid"/>
-                      <a:round/>
-                      <a:headEnd type="none" w="med" len="med"/>
-                      <a:tailEnd type="none" w="med" len="med"/>
-                    </a:lnT>
-                    <a:lnB w="9525" cap="flat" cmpd="sng" algn="ctr">
-                      <a:solidFill>
-                        <a:srgbClr val="D8DEDC"/>
-                      </a:solidFill>
-                      <a:prstDash val="solid"/>
-                    </a:lnB>
-                    <a:noFill/>
-                  </a:tcPr>
-                </a:tc>
-                <a:tc>
-                  <a:txBody>
-                    <a:bodyPr/>
-                    <a:lstStyle/>
-                    <a:p>
-                      <a:pPr marL="0" algn="ctr" defTabSz="914400" rtl="0" eaLnBrk="1" fontAlgn="ctr" latinLnBrk="0" hangingPunct="1"/>
-                      <a:r>
-                        <a:rPr lang="en-GB" sz="1400" kern="1200" cap="none" spc="0" dirty="0">
-                          <a:solidFill>
                             <a:schemeClr val="tx1">
                               <a:lumMod val="75000"/>
                               <a:lumOff val="25000"/>
@@ -12718,57 +11796,9 @@
                         <a:srgbClr val="D8DEDC"/>
                       </a:solidFill>
                       <a:prstDash val="solid"/>
-                    </a:lnL>
-                    <a:lnR w="9525" cap="flat" cmpd="sng" algn="ctr">
-                      <a:solidFill>
-                        <a:srgbClr val="D8DEDC"/>
-                      </a:solidFill>
-                      <a:prstDash val="solid"/>
-                    </a:lnR>
-                    <a:lnT w="9525" cap="flat" cmpd="sng" algn="ctr">
-                      <a:solidFill>
-                        <a:srgbClr val="D8DCDC"/>
-                      </a:solidFill>
-                      <a:prstDash val="solid"/>
                       <a:round/>
                       <a:headEnd type="none" w="med" len="med"/>
                       <a:tailEnd type="none" w="med" len="med"/>
-                    </a:lnT>
-                    <a:lnB w="9525" cap="flat" cmpd="sng" algn="ctr">
-                      <a:solidFill>
-                        <a:srgbClr val="D8DEDC"/>
-                      </a:solidFill>
-                      <a:prstDash val="solid"/>
-                    </a:lnB>
-                    <a:noFill/>
-                  </a:tcPr>
-                </a:tc>
-                <a:tc>
-                  <a:txBody>
-                    <a:bodyPr/>
-                    <a:lstStyle/>
-                    <a:p>
-                      <a:pPr marL="0" algn="ctr" defTabSz="914400" rtl="0" eaLnBrk="1" fontAlgn="ctr" latinLnBrk="0" hangingPunct="1"/>
-                      <a:r>
-                        <a:rPr lang="en-GB" sz="1400" kern="1200" cap="none" spc="0" dirty="0">
-                          <a:solidFill>
-                            <a:srgbClr val="00B050"/>
-                          </a:solidFill>
-                          <a:effectLst/>
-                          <a:latin typeface="Trebuchet MS" panose="020B0603020202020204" pitchFamily="34" charset="0"/>
-                          <a:ea typeface="+mn-ea"/>
-                          <a:cs typeface="+mn-cs"/>
-                        </a:rPr>
-                        <a:t>0.89</a:t>
-                      </a:r>
-                    </a:p>
-                  </a:txBody>
-                  <a:tcPr anchor="ctr">
-                    <a:lnL w="9525" cap="flat" cmpd="sng" algn="ctr">
-                      <a:solidFill>
-                        <a:srgbClr val="D8DEDC"/>
-                      </a:solidFill>
-                      <a:prstDash val="solid"/>
                     </a:lnL>
                     <a:lnR w="9525" cap="flat" cmpd="sng" algn="ctr">
                       <a:solidFill>
@@ -12820,6 +11850,9 @@
                         <a:srgbClr val="D8DEDC"/>
                       </a:solidFill>
                       <a:prstDash val="solid"/>
+                      <a:round/>
+                      <a:headEnd type="none" w="med" len="med"/>
+                      <a:tailEnd type="none" w="med" len="med"/>
                     </a:lnL>
                     <a:lnR w="9525" cap="flat" cmpd="sng" algn="ctr">
                       <a:solidFill>
@@ -12950,6 +11983,59 @@
           </a:p>
         </p:txBody>
       </p:sp>
+      <p:sp>
+        <p:nvSpPr>
+          <p:cNvPr id="6" name="Rectangle 5">
+            <a:extLst>
+              <a:ext uri="{FF2B5EF4-FFF2-40B4-BE49-F238E27FC236}">
+                <a16:creationId xmlns:a16="http://schemas.microsoft.com/office/drawing/2014/main" id="{EBA02E1E-3FE4-E36C-B0D6-225280A9A41B}"/>
+              </a:ext>
+            </a:extLst>
+          </p:cNvPr>
+          <p:cNvSpPr/>
+          <p:nvPr/>
+        </p:nvSpPr>
+        <p:spPr>
+          <a:xfrm>
+            <a:off x="106498" y="5738388"/>
+            <a:ext cx="12041052" cy="503558"/>
+          </a:xfrm>
+          <a:prstGeom prst="rect">
+            <a:avLst/>
+          </a:prstGeom>
+          <a:noFill/>
+          <a:ln w="28575">
+            <a:solidFill>
+              <a:srgbClr val="00B050"/>
+            </a:solidFill>
+            <a:prstDash val="dash"/>
+          </a:ln>
+        </p:spPr>
+        <p:style>
+          <a:lnRef idx="2">
+            <a:schemeClr val="accent1">
+              <a:shade val="15000"/>
+            </a:schemeClr>
+          </a:lnRef>
+          <a:fillRef idx="1">
+            <a:schemeClr val="accent1"/>
+          </a:fillRef>
+          <a:effectRef idx="0">
+            <a:schemeClr val="accent1"/>
+          </a:effectRef>
+          <a:fontRef idx="minor">
+            <a:schemeClr val="lt1"/>
+          </a:fontRef>
+        </p:style>
+        <p:txBody>
+          <a:bodyPr rtlCol="0" anchor="ctr"/>
+          <a:lstStyle/>
+          <a:p>
+            <a:pPr algn="ctr"/>
+            <a:endParaRPr lang="en-GB"/>
+          </a:p>
+        </p:txBody>
+      </p:sp>
     </p:spTree>
     <p:extLst>
       <p:ext uri="{BB962C8B-B14F-4D97-AF65-F5344CB8AC3E}">
@@ -12960,6 +12046,84 @@
   <p:clrMapOvr>
     <a:masterClrMapping/>
   </p:clrMapOvr>
+  <p:timing>
+    <p:tnLst>
+      <p:par>
+        <p:cTn id="1" dur="indefinite" restart="never" nodeType="tmRoot">
+          <p:childTnLst>
+            <p:seq concurrent="1" nextAc="seek">
+              <p:cTn id="2" dur="indefinite" nodeType="mainSeq">
+                <p:childTnLst>
+                  <p:par>
+                    <p:cTn id="3" fill="hold">
+                      <p:stCondLst>
+                        <p:cond delay="indefinite"/>
+                      </p:stCondLst>
+                      <p:childTnLst>
+                        <p:par>
+                          <p:cTn id="4" fill="hold">
+                            <p:stCondLst>
+                              <p:cond delay="0"/>
+                            </p:stCondLst>
+                            <p:childTnLst>
+                              <p:par>
+                                <p:cTn id="5" presetID="1" presetClass="entr" presetSubtype="0" fill="hold" grpId="0" nodeType="clickEffect">
+                                  <p:stCondLst>
+                                    <p:cond delay="0"/>
+                                  </p:stCondLst>
+                                  <p:childTnLst>
+                                    <p:set>
+                                      <p:cBhvr>
+                                        <p:cTn id="6" dur="1" fill="hold">
+                                          <p:stCondLst>
+                                            <p:cond delay="0"/>
+                                          </p:stCondLst>
+                                        </p:cTn>
+                                        <p:tgtEl>
+                                          <p:spTgt spid="6"/>
+                                        </p:tgtEl>
+                                        <p:attrNameLst>
+                                          <p:attrName>style.visibility</p:attrName>
+                                        </p:attrNameLst>
+                                      </p:cBhvr>
+                                      <p:to>
+                                        <p:strVal val="visible"/>
+                                      </p:to>
+                                    </p:set>
+                                  </p:childTnLst>
+                                </p:cTn>
+                              </p:par>
+                            </p:childTnLst>
+                          </p:cTn>
+                        </p:par>
+                      </p:childTnLst>
+                    </p:cTn>
+                  </p:par>
+                </p:childTnLst>
+              </p:cTn>
+              <p:prevCondLst>
+                <p:cond evt="onPrev" delay="0">
+                  <p:tgtEl>
+                    <p:sldTgt/>
+                  </p:tgtEl>
+                </p:cond>
+              </p:prevCondLst>
+              <p:nextCondLst>
+                <p:cond evt="onNext" delay="0">
+                  <p:tgtEl>
+                    <p:sldTgt/>
+                  </p:tgtEl>
+                </p:cond>
+              </p:nextCondLst>
+            </p:seq>
+          </p:childTnLst>
+        </p:cTn>
+      </p:par>
+    </p:tnLst>
+    <p:bldLst>
+      <p:bldP spid="6" grpId="0" animBg="1"/>
+    </p:bldLst>
+  </p:timing>
 </p:sld>
 </file>
 
@@ -14123,8 +13287,8 @@
           </a:p>
         </p:txBody>
       </p:sp>
-      <mc:AlternateContent xmlns:mc="http://schemas.openxmlformats.org/markup-compatibility/2006">
-        <mc:Choice xmlns:p14="http://schemas.microsoft.com/office/powerpoint/2010/main" Requires="p14">
+      <mc:AlternateContent xmlns:mc="http://schemas.openxmlformats.org/markup-compatibility/2006" xmlns:p14="http://schemas.microsoft.com/office/powerpoint/2010/main">
+        <mc:Choice Requires="p14">
           <p:contentPart p14:bwMode="auto" r:id="rId12">
             <p14:nvContentPartPr>
               <p14:cNvPr id="40" name="Ink 39">
@@ -14143,7 +13307,7 @@
             </p14:xfrm>
           </p:contentPart>
         </mc:Choice>
-        <mc:Fallback>
+        <mc:Fallback xmlns="">
           <p:pic>
             <p:nvPicPr>
               <p:cNvPr id="40" name="Ink 39">
